--- a/platform.pptx
+++ b/platform.pptx
@@ -3166,32 +3166,13 @@
             <a:p>
               <a:pPr algn="ctr"/>
               <a:r>
-                <a:rPr lang="en-US" dirty="0">
+                <a:rPr lang="x-none" altLang="en-US" dirty="0">
                   <a:ea typeface="+mn-lt"/>
                   <a:cs typeface="+mn-lt"/>
                 </a:rPr>
-                <a:t>3D-2D</a:t>
+                <a:t>Object Coloring</a:t>
               </a:r>
-              <a:r>
-                <a:rPr lang="en-US" dirty="0">
-                  <a:cs typeface="Calibri"/>
-                </a:rPr>
-                <a:t> </a:t>
-              </a:r>
-              <a:endParaRPr lang="en-US" dirty="0">
-                <a:ea typeface="+mn-lt"/>
-                <a:cs typeface="+mn-lt"/>
-              </a:endParaRPr>
-            </a:p>
-            <a:p>
-              <a:pPr algn="ctr"/>
-              <a:r>
-                <a:rPr lang="en-US" dirty="0">
-                  <a:cs typeface="Calibri"/>
-                </a:rPr>
-                <a:t>Fusion</a:t>
-              </a:r>
-              <a:endParaRPr lang="en-US" dirty="0"/>
+              <a:endParaRPr lang="x-none" altLang="en-US" dirty="0"/>
             </a:p>
           </p:txBody>
         </p:sp>
@@ -3337,28 +3318,10 @@
             <a:p>
               <a:pPr algn="ctr"/>
               <a:r>
-                <a:rPr lang="en-US" dirty="0">
-                  <a:cs typeface="Calibri"/>
-                </a:rPr>
-                <a:t>Basic</a:t>
-              </a:r>
-              <a:endParaRPr lang="en-US" dirty="0">
-                <a:cs typeface="Calibri"/>
-              </a:endParaRPr>
-            </a:p>
-            <a:p>
-              <a:pPr algn="ctr"/>
-              <a:r>
-                <a:rPr lang="en-US" dirty="0">
-                  <a:cs typeface="Calibri"/>
-                </a:rPr>
-                <a:t>Box Edit</a:t>
-              </a:r>
-              <a:r>
                 <a:rPr lang="x-none" altLang="en-US" dirty="0">
                   <a:cs typeface="Calibri"/>
                 </a:rPr>
-                <a:t>ing</a:t>
+                <a:t>Multi-view Editing</a:t>
               </a:r>
               <a:endParaRPr lang="x-none" altLang="en-US" dirty="0">
                 <a:cs typeface="Calibri"/>
@@ -3402,18 +3365,24 @@
             <a:p>
               <a:pPr algn="ctr"/>
               <a:r>
-                <a:rPr lang="en-US" dirty="0">
+                <a:rPr lang="x-none" dirty="0">
                   <a:cs typeface="Calibri"/>
                 </a:rPr>
-                <a:t>Algorithm Assisted Edit</a:t>
+                <a:t>Semi Auto</a:t>
               </a:r>
+              <a:endParaRPr lang="x-none" dirty="0">
+                <a:cs typeface="Calibri"/>
+              </a:endParaRPr>
+            </a:p>
+            <a:p>
+              <a:pPr algn="ctr"/>
               <a:r>
-                <a:rPr lang="x-none" altLang="en-US" dirty="0">
+                <a:rPr lang="x-none" dirty="0">
                   <a:cs typeface="Calibri"/>
                 </a:rPr>
-                <a:t>ing</a:t>
+                <a:t>Box Fitting</a:t>
               </a:r>
-              <a:endParaRPr lang="x-none" altLang="en-US" dirty="0">
+              <a:endParaRPr lang="x-none" dirty="0">
                 <a:cs typeface="Calibri"/>
               </a:endParaRPr>
             </a:p>
@@ -3455,24 +3424,18 @@
             <a:p>
               <a:pPr algn="ctr"/>
               <a:r>
-                <a:rPr lang="en-US" altLang="zh-CN" dirty="0">
-                  <a:cs typeface="Calibri"/>
-                </a:rPr>
-                <a:t>Error</a:t>
+                <a:rPr lang="x-none" altLang="en-US" dirty="0"/>
+                <a:t>Annotation</a:t>
               </a:r>
-              <a:endParaRPr lang="en-US" altLang="zh-CN" dirty="0">
-                <a:cs typeface="Calibri"/>
-              </a:endParaRPr>
+              <a:endParaRPr lang="x-none" altLang="en-US" dirty="0"/>
             </a:p>
             <a:p>
               <a:pPr algn="ctr"/>
               <a:r>
-                <a:rPr lang="en-US" dirty="0">
-                  <a:cs typeface="Calibri"/>
-                </a:rPr>
-                <a:t>Detection</a:t>
+                <a:rPr lang="x-none" altLang="en-US" dirty="0"/>
+                <a:t>Transfer</a:t>
               </a:r>
-              <a:endParaRPr lang="en-US" dirty="0"/>
+              <a:endParaRPr lang="x-none" altLang="en-US" dirty="0"/>
             </a:p>
           </p:txBody>
         </p:sp>
@@ -3585,8 +3548,8 @@
           </p:nvSpPr>
           <p:spPr>
             <a:xfrm>
-              <a:off x="2710133" y="2028725"/>
-              <a:ext cx="1692000" cy="719191"/>
+              <a:off x="2710134" y="2019549"/>
+              <a:ext cx="1691851" cy="728162"/>
             </a:xfrm>
             <a:prstGeom prst="rect">
               <a:avLst/>
@@ -3618,7 +3581,15 @@
                 </a:rPr>
                 <a:t>Data Clean</a:t>
               </a:r>
-              <a:endParaRPr lang="en-US" dirty="0"/>
+              <a:r>
+                <a:rPr lang="x-none" altLang="en-US" dirty="0">
+                  <a:cs typeface="Calibri"/>
+                </a:rPr>
+                <a:t>ing</a:t>
+              </a:r>
+              <a:endParaRPr lang="x-none" altLang="en-US" dirty="0">
+                <a:cs typeface="Calibri"/>
+              </a:endParaRPr>
             </a:p>
           </p:txBody>
         </p:sp>
@@ -3677,7 +3648,7 @@
                   <a:ea typeface="+mn-lt"/>
                   <a:cs typeface="+mn-lt"/>
                 </a:rPr>
-                <a:t>Automatic Initial</a:t>
+                <a:t>Automatic </a:t>
               </a:r>
               <a:endParaRPr lang="en-US" dirty="0">
                 <a:ea typeface="+mn-lt"/>
@@ -3691,11 +3662,18 @@
                 </a:lnSpc>
               </a:pPr>
               <a:r>
+                <a:rPr lang="x-none" altLang="en-US" dirty="0">
+                  <a:ea typeface="+mn-lt"/>
+                  <a:cs typeface="+mn-lt"/>
+                </a:rPr>
+                <a:t>Pre-a</a:t>
+              </a:r>
+              <a:r>
                 <a:rPr lang="en-US" dirty="0">
                   <a:ea typeface="+mn-lt"/>
                   <a:cs typeface="+mn-lt"/>
                 </a:rPr>
-                <a:t> Annotation</a:t>
+                <a:t>nnotation</a:t>
               </a:r>
               <a:endParaRPr lang="en-US" dirty="0">
                 <a:ea typeface="+mn-lt"/>
@@ -3722,8 +3700,8 @@
           </p:nvSpPr>
           <p:spPr>
             <a:xfrm>
-              <a:off x="2710132" y="1170812"/>
-              <a:ext cx="1692000" cy="719191"/>
+              <a:off x="2710134" y="1170767"/>
+              <a:ext cx="1691851" cy="710387"/>
             </a:xfrm>
             <a:prstGeom prst="rect">
               <a:avLst/>

--- a/platform.pptx
+++ b/platform.pptx
@@ -3166,11 +3166,11 @@
             <a:p>
               <a:pPr algn="ctr"/>
               <a:r>
-                <a:rPr lang="x-none" altLang="en-US" dirty="0">
-                  <a:ea typeface="+mn-lt"/>
-                  <a:cs typeface="+mn-lt"/>
+                <a:rPr lang="en-US" dirty="0">
+                  <a:cs typeface="Calibri"/>
+                  <a:sym typeface="+mn-ea"/>
                 </a:rPr>
-                <a:t>Object Coloring</a:t>
+                <a:t>Multi-View Display</a:t>
               </a:r>
               <a:endParaRPr lang="x-none" altLang="en-US" dirty="0"/>
             </a:p>
@@ -3271,13 +3271,33 @@
             <a:p>
               <a:pPr algn="ctr"/>
               <a:r>
-                <a:rPr lang="en-US" dirty="0">
-                  <a:cs typeface="Calibri"/>
+                <a:rPr lang="x-none" altLang="en-US" dirty="0">
+                  <a:ea typeface="+mn-lt"/>
+                  <a:cs typeface="+mn-lt"/>
+                  <a:sym typeface="+mn-ea"/>
                 </a:rPr>
-                <a:t>Multi-View Display</a:t>
+                <a:t>Object</a:t>
               </a:r>
-              <a:endParaRPr lang="en-US" dirty="0">
-                <a:cs typeface="Calibri"/>
+              <a:r>
+                <a:rPr lang="" altLang="x-none" dirty="0">
+                  <a:ea typeface="+mn-lt"/>
+                  <a:cs typeface="+mn-lt"/>
+                  <a:sym typeface="+mn-ea"/>
+                </a:rPr>
+                <a:t>/Box</a:t>
+              </a:r>
+              <a:r>
+                <a:rPr lang="x-none" altLang="en-US" dirty="0">
+                  <a:ea typeface="+mn-lt"/>
+                  <a:cs typeface="+mn-lt"/>
+                  <a:sym typeface="+mn-ea"/>
+                </a:rPr>
+                <a:t> Coloring</a:t>
+              </a:r>
+              <a:endParaRPr lang="x-none" altLang="en-US" dirty="0">
+                <a:ea typeface="+mn-lt"/>
+                <a:cs typeface="+mn-lt"/>
+                <a:sym typeface="+mn-ea"/>
               </a:endParaRPr>
             </a:p>
           </p:txBody>
@@ -3365,10 +3385,10 @@
             <a:p>
               <a:pPr algn="ctr"/>
               <a:r>
-                <a:rPr lang="x-none" dirty="0">
+                <a:rPr lang="" altLang="x-none" dirty="0">
                   <a:cs typeface="Calibri"/>
                 </a:rPr>
-                <a:t>Semi Auto</a:t>
+                <a:t>Interactive</a:t>
               </a:r>
               <a:endParaRPr lang="x-none" dirty="0">
                 <a:cs typeface="Calibri"/>
